--- a/PPTs/06 ExpressJS.pptx
+++ b/PPTs/06 ExpressJS.pptx
@@ -5,7 +5,7 @@
     <p:sldMasterId id="2147483672" r:id="rId1"/>
   </p:sldMasterIdLst>
   <p:notesMasterIdLst>
-    <p:notesMasterId r:id="rId25"/>
+    <p:notesMasterId r:id="rId26"/>
   </p:notesMasterIdLst>
   <p:sldIdLst>
     <p:sldId id="256" r:id="rId2"/>
@@ -31,6 +31,7 @@
     <p:sldId id="327" r:id="rId22"/>
     <p:sldId id="328" r:id="rId23"/>
     <p:sldId id="329" r:id="rId24"/>
+    <p:sldId id="330" r:id="rId25"/>
   </p:sldIdLst>
   <p:sldSz cx="9144000" cy="6858000" type="screen4x3"/>
   <p:notesSz cx="6858000" cy="9144000"/>
@@ -157,6 +158,7 @@
             <p14:sldId id="327"/>
             <p14:sldId id="328"/>
             <p14:sldId id="329"/>
+            <p14:sldId id="330"/>
           </p14:sldIdLst>
         </p14:section>
       </p14:sectionLst>
@@ -262,7 +264,7 @@
             <a:fld id="{BC6FC07C-0485-40B9-BC68-01FB6F3C1F19}" type="datetimeFigureOut">
               <a:rPr lang="en-US" smtClean="0"/>
               <a:pPr/>
-              <a:t>4/11/2018</a:t>
+              <a:t>4/12/2018</a:t>
             </a:fld>
             <a:endParaRPr lang="en-US"/>
           </a:p>
@@ -4977,7 +4979,7 @@
               <a:rPr lang="en-US" dirty="0">
                 <a:sym typeface="Wingdings" panose="05000000000000000000" pitchFamily="2" charset="2"/>
               </a:rPr>
-              <a:t>Automatically writes also some default headers </a:t>
+              <a:t>Automatically writes some default HTTP headers </a:t>
             </a:r>
           </a:p>
         </p:txBody>
@@ -8379,7 +8381,19 @@
           <a:p>
             <a:r>
               <a:rPr lang="en-US" dirty="0"/>
-              <a:t>Must call next if does not end the current cycle</a:t>
+              <a:t>Must call </a:t>
+            </a:r>
+            <a:r>
+              <a:rPr lang="en-US" dirty="0">
+                <a:solidFill>
+                  <a:srgbClr val="FF0000"/>
+                </a:solidFill>
+              </a:rPr>
+              <a:t>next</a:t>
+            </a:r>
+            <a:r>
+              <a:rPr lang="en-US" dirty="0"/>
+              <a:t> if does not end the current cycle</a:t>
             </a:r>
           </a:p>
           <a:p>
@@ -11229,12 +11243,8 @@
           </a:p>
           <a:p>
             <a:r>
-              <a:rPr lang="en-US" dirty="0" err="1"/>
-              <a:t>Asynchrounous</a:t>
-            </a:r>
-            <a:r>
               <a:rPr lang="en-US" dirty="0"/>
-              <a:t> errors will kill the process </a:t>
+              <a:t>Asynchronous errors will kill the process </a:t>
             </a:r>
             <a:r>
               <a:rPr lang="en-US" dirty="0">
@@ -11317,7 +11327,29 @@
           <a:p>
             <a:r>
               <a:rPr lang="en-US" dirty="0"/>
-              <a:t> </a:t>
+              <a:t>Use </a:t>
+            </a:r>
+            <a:r>
+              <a:rPr lang="en-US" dirty="0" err="1"/>
+              <a:t>ExpressJS</a:t>
+            </a:r>
+            <a:r>
+              <a:rPr lang="en-US" dirty="0"/>
+              <a:t> to build</a:t>
+            </a:r>
+          </a:p>
+          <a:p>
+            <a:pPr lvl="1"/>
+            <a:r>
+              <a:rPr lang="en-US" dirty="0"/>
+              <a:t>REST API</a:t>
+            </a:r>
+          </a:p>
+          <a:p>
+            <a:pPr lvl="1"/>
+            <a:r>
+              <a:rPr lang="en-US" dirty="0"/>
+              <a:t>Server side rendering</a:t>
             </a:r>
           </a:p>
         </p:txBody>
@@ -12683,7 +12715,19 @@
           <a:p>
             <a:r>
               <a:rPr lang="en-US" dirty="0"/>
-              <a:t>Express use the popular debug module</a:t>
+              <a:t>Express use the popular </a:t>
+            </a:r>
+            <a:r>
+              <a:rPr lang="en-US" dirty="0">
+                <a:solidFill>
+                  <a:srgbClr val="FF0000"/>
+                </a:solidFill>
+              </a:rPr>
+              <a:t>debug</a:t>
+            </a:r>
+            <a:r>
+              <a:rPr lang="en-US" dirty="0"/>
+              <a:t> module</a:t>
             </a:r>
           </a:p>
           <a:p>
@@ -14620,6 +14664,175 @@
     <p:extLst>
       <p:ext uri="{BB962C8B-B14F-4D97-AF65-F5344CB8AC3E}">
         <p14:creationId xmlns:p14="http://schemas.microsoft.com/office/powerpoint/2010/main" val="2536591822"/>
+      </p:ext>
+    </p:extLst>
+  </p:cSld>
+  <p:clrMapOvr>
+    <a:masterClrMapping/>
+  </p:clrMapOvr>
+</p:sld>
+</file>
+
+<file path=ppt/slides/slide24.xml><?xml version="1.0" encoding="utf-8"?>
+<p:sld xmlns:a="http://schemas.openxmlformats.org/drawingml/2006/main" xmlns:r="http://schemas.openxmlformats.org/officeDocument/2006/relationships" xmlns:p="http://schemas.openxmlformats.org/presentationml/2006/main">
+  <p:cSld>
+    <p:spTree>
+      <p:nvGrpSpPr>
+        <p:cNvPr id="1" name=""/>
+        <p:cNvGrpSpPr/>
+        <p:nvPr/>
+      </p:nvGrpSpPr>
+      <p:grpSpPr>
+        <a:xfrm>
+          <a:off x="0" y="0"/>
+          <a:ext cx="0" cy="0"/>
+          <a:chOff x="0" y="0"/>
+          <a:chExt cx="0" cy="0"/>
+        </a:xfrm>
+      </p:grpSpPr>
+      <p:sp>
+        <p:nvSpPr>
+          <p:cNvPr id="2" name="Title 1">
+            <a:extLst>
+              <a:ext uri="{FF2B5EF4-FFF2-40B4-BE49-F238E27FC236}">
+                <a16:creationId xmlns:a16="http://schemas.microsoft.com/office/drawing/2014/main" id="{209FD140-0BFD-46F3-B091-826964A53DDB}"/>
+              </a:ext>
+            </a:extLst>
+          </p:cNvPr>
+          <p:cNvSpPr>
+            <a:spLocks noGrp="1"/>
+          </p:cNvSpPr>
+          <p:nvPr>
+            <p:ph type="title"/>
+          </p:nvPr>
+        </p:nvSpPr>
+        <p:spPr/>
+        <p:txBody>
+          <a:bodyPr/>
+          <a:lstStyle/>
+          <a:p>
+            <a:r>
+              <a:rPr lang="en-US" dirty="0"/>
+              <a:t>Summary</a:t>
+            </a:r>
+            <a:endParaRPr lang="he-IL" dirty="0"/>
+          </a:p>
+        </p:txBody>
+      </p:sp>
+      <p:sp>
+        <p:nvSpPr>
+          <p:cNvPr id="3" name="Footer Placeholder 2">
+            <a:extLst>
+              <a:ext uri="{FF2B5EF4-FFF2-40B4-BE49-F238E27FC236}">
+                <a16:creationId xmlns:a16="http://schemas.microsoft.com/office/drawing/2014/main" id="{D146CEBA-8F3E-473A-88D6-6B4CD1A123C5}"/>
+              </a:ext>
+            </a:extLst>
+          </p:cNvPr>
+          <p:cNvSpPr>
+            <a:spLocks noGrp="1"/>
+          </p:cNvSpPr>
+          <p:nvPr>
+            <p:ph type="ftr" sz="quarter" idx="11"/>
+          </p:nvPr>
+        </p:nvSpPr>
+        <p:spPr/>
+        <p:txBody>
+          <a:bodyPr/>
+          <a:lstStyle/>
+          <a:p>
+            <a:r>
+              <a:rPr lang="en-US"/>
+              <a:t>© 2017 Ori Calvo</a:t>
+            </a:r>
+            <a:endParaRPr lang="en-US" dirty="0"/>
+          </a:p>
+        </p:txBody>
+      </p:sp>
+      <p:sp>
+        <p:nvSpPr>
+          <p:cNvPr id="4" name="Slide Number Placeholder 3">
+            <a:extLst>
+              <a:ext uri="{FF2B5EF4-FFF2-40B4-BE49-F238E27FC236}">
+                <a16:creationId xmlns:a16="http://schemas.microsoft.com/office/drawing/2014/main" id="{3721C6FF-169C-4243-9879-BC8970838156}"/>
+              </a:ext>
+            </a:extLst>
+          </p:cNvPr>
+          <p:cNvSpPr>
+            <a:spLocks noGrp="1"/>
+          </p:cNvSpPr>
+          <p:nvPr>
+            <p:ph type="sldNum" sz="quarter" idx="12"/>
+          </p:nvPr>
+        </p:nvSpPr>
+        <p:spPr/>
+        <p:txBody>
+          <a:bodyPr>
+            <a:normAutofit fontScale="85000" lnSpcReduction="20000"/>
+          </a:bodyPr>
+          <a:lstStyle/>
+          <a:p>
+            <a:fld id="{87B78B44-2135-4DB2-B732-E7D5FFF77B6A}" type="slidenum">
+              <a:rPr lang="en-US" smtClean="0"/>
+              <a:pPr/>
+              <a:t>24</a:t>
+            </a:fld>
+            <a:endParaRPr lang="en-US"/>
+          </a:p>
+        </p:txBody>
+      </p:sp>
+      <p:sp>
+        <p:nvSpPr>
+          <p:cNvPr id="5" name="Content Placeholder 4">
+            <a:extLst>
+              <a:ext uri="{FF2B5EF4-FFF2-40B4-BE49-F238E27FC236}">
+                <a16:creationId xmlns:a16="http://schemas.microsoft.com/office/drawing/2014/main" id="{33A36D96-09F8-47C9-8AD8-B8E99230CEDD}"/>
+              </a:ext>
+            </a:extLst>
+          </p:cNvPr>
+          <p:cNvSpPr>
+            <a:spLocks noGrp="1"/>
+          </p:cNvSpPr>
+          <p:nvPr>
+            <p:ph sz="quarter" idx="1"/>
+          </p:nvPr>
+        </p:nvSpPr>
+        <p:spPr/>
+        <p:txBody>
+          <a:bodyPr/>
+          <a:lstStyle/>
+          <a:p>
+            <a:r>
+              <a:rPr lang="en-US" dirty="0" err="1"/>
+              <a:t>ExpressJS</a:t>
+            </a:r>
+            <a:r>
+              <a:rPr lang="en-US" dirty="0"/>
+              <a:t> is fun</a:t>
+            </a:r>
+          </a:p>
+          <a:p>
+            <a:r>
+              <a:rPr lang="en-US" dirty="0"/>
+              <a:t>Abstraction layer on top of http module</a:t>
+            </a:r>
+          </a:p>
+          <a:p>
+            <a:r>
+              <a:rPr lang="en-US" dirty="0"/>
+              <a:t>Middleware </a:t>
+            </a:r>
+            <a:r>
+              <a:rPr lang="en-US"/>
+              <a:t>is powerful</a:t>
+            </a:r>
+            <a:endParaRPr lang="he-IL"/>
+          </a:p>
+        </p:txBody>
+      </p:sp>
+    </p:spTree>
+    <p:extLst>
+      <p:ext uri="{BB962C8B-B14F-4D97-AF65-F5344CB8AC3E}">
+        <p14:creationId xmlns:p14="http://schemas.microsoft.com/office/powerpoint/2010/main" val="1979076421"/>
       </p:ext>
     </p:extLst>
   </p:cSld>
